--- a/@src/Titles/Titles.pptx
+++ b/@src/Titles/Titles.pptx
@@ -3334,6 +3334,14 @@
 <file path=ppt/slides/slide1.xml><?xml version="1.0" encoding="utf-8"?>
 <p:sld xmlns:a="http://schemas.openxmlformats.org/drawingml/2006/main" xmlns:r="http://schemas.openxmlformats.org/officeDocument/2006/relationships" xmlns:p="http://schemas.openxmlformats.org/presentationml/2006/main">
   <p:cSld>
+    <p:bg>
+      <p:bgPr>
+        <a:solidFill>
+          <a:srgbClr val="000000"/>
+        </a:solidFill>
+        <a:effectLst/>
+      </p:bgPr>
+    </p:bg>
     <p:spTree>
       <p:nvGrpSpPr>
         <p:cNvPr id="1" name=""/>
@@ -3379,7 +3387,7 @@
             <a:r>
               <a:rPr lang="es-CL" sz="4400" dirty="0" err="1">
                 <a:solidFill>
-                  <a:srgbClr val="D94111"/>
+                  <a:srgbClr val="EEEEEE"/>
                 </a:solidFill>
                 <a:latin typeface="Aharoni" panose="02010803020104030203" pitchFamily="2" charset="-79"/>
                 <a:cs typeface="Aharoni" panose="02010803020104030203" pitchFamily="2" charset="-79"/>
@@ -3388,7 +3396,7 @@
             </a:r>
             <a:endParaRPr lang="es-CL" sz="4400" dirty="0">
               <a:solidFill>
-                <a:srgbClr val="D94111"/>
+                <a:srgbClr val="EEEEEE"/>
               </a:solidFill>
               <a:latin typeface="Aharoni" panose="02010803020104030203" pitchFamily="2" charset="-79"/>
               <a:cs typeface="Aharoni" panose="02010803020104030203" pitchFamily="2" charset="-79"/>
@@ -3427,7 +3435,7 @@
             <a:r>
               <a:rPr lang="es-CL" sz="4400" dirty="0" err="1">
                 <a:solidFill>
-                  <a:srgbClr val="D94111"/>
+                  <a:srgbClr val="EEEEEE"/>
                 </a:solidFill>
                 <a:latin typeface="Aharoni" panose="02010803020104030203" pitchFamily="2" charset="-79"/>
                 <a:cs typeface="Aharoni" panose="02010803020104030203" pitchFamily="2" charset="-79"/>
@@ -3436,7 +3444,7 @@
             </a:r>
             <a:endParaRPr lang="es-CL" sz="4400" dirty="0">
               <a:solidFill>
-                <a:srgbClr val="D94111"/>
+                <a:srgbClr val="EEEEEE"/>
               </a:solidFill>
               <a:latin typeface="Aharoni" panose="02010803020104030203" pitchFamily="2" charset="-79"/>
               <a:cs typeface="Aharoni" panose="02010803020104030203" pitchFamily="2" charset="-79"/>
@@ -3475,7 +3483,7 @@
             <a:r>
               <a:rPr lang="es-CL" sz="4400" dirty="0" err="1">
                 <a:solidFill>
-                  <a:srgbClr val="D94111"/>
+                  <a:srgbClr val="EEEEEE"/>
                 </a:solidFill>
                 <a:latin typeface="Aharoni" panose="02010803020104030203" pitchFamily="2" charset="-79"/>
                 <a:cs typeface="Aharoni" panose="02010803020104030203" pitchFamily="2" charset="-79"/>
@@ -3484,7 +3492,7 @@
             </a:r>
             <a:endParaRPr lang="es-CL" sz="4400" dirty="0">
               <a:solidFill>
-                <a:srgbClr val="D94111"/>
+                <a:srgbClr val="EEEEEE"/>
               </a:solidFill>
               <a:latin typeface="Aharoni" panose="02010803020104030203" pitchFamily="2" charset="-79"/>
               <a:cs typeface="Aharoni" panose="02010803020104030203" pitchFamily="2" charset="-79"/>
@@ -3523,7 +3531,7 @@
             <a:r>
               <a:rPr lang="es-CL" sz="4400" dirty="0" err="1">
                 <a:solidFill>
-                  <a:srgbClr val="D94111"/>
+                  <a:srgbClr val="EEEEEE"/>
                 </a:solidFill>
                 <a:latin typeface="Aharoni" panose="02010803020104030203" pitchFamily="2" charset="-79"/>
                 <a:cs typeface="Aharoni" panose="02010803020104030203" pitchFamily="2" charset="-79"/>
@@ -3532,7 +3540,7 @@
             </a:r>
             <a:endParaRPr lang="es-CL" sz="4400" dirty="0">
               <a:solidFill>
-                <a:srgbClr val="D94111"/>
+                <a:srgbClr val="EEEEEE"/>
               </a:solidFill>
               <a:latin typeface="Aharoni" panose="02010803020104030203" pitchFamily="2" charset="-79"/>
               <a:cs typeface="Aharoni" panose="02010803020104030203" pitchFamily="2" charset="-79"/>
@@ -3571,7 +3579,7 @@
             <a:r>
               <a:rPr lang="es-CL" sz="4400" dirty="0">
                 <a:solidFill>
-                  <a:srgbClr val="D94111"/>
+                  <a:srgbClr val="EEEEEE"/>
                 </a:solidFill>
                 <a:latin typeface="Aharoni" panose="02010803020104030203" pitchFamily="2" charset="-79"/>
                 <a:cs typeface="Aharoni" panose="02010803020104030203" pitchFamily="2" charset="-79"/>
@@ -3612,7 +3620,7 @@
             <a:r>
               <a:rPr lang="es-CL" sz="4400" dirty="0" err="1">
                 <a:solidFill>
-                  <a:srgbClr val="D94111"/>
+                  <a:srgbClr val="EEEEEE"/>
                 </a:solidFill>
                 <a:latin typeface="Aharoni" panose="02010803020104030203" pitchFamily="2" charset="-79"/>
                 <a:cs typeface="Aharoni" panose="02010803020104030203" pitchFamily="2" charset="-79"/>
@@ -3621,7 +3629,7 @@
             </a:r>
             <a:endParaRPr lang="es-CL" sz="4400" dirty="0">
               <a:solidFill>
-                <a:srgbClr val="D94111"/>
+                <a:srgbClr val="EEEEEE"/>
               </a:solidFill>
               <a:latin typeface="Aharoni" panose="02010803020104030203" pitchFamily="2" charset="-79"/>
               <a:cs typeface="Aharoni" panose="02010803020104030203" pitchFamily="2" charset="-79"/>
@@ -3660,7 +3668,7 @@
             <a:r>
               <a:rPr lang="es-CL" sz="4400" dirty="0">
                 <a:solidFill>
-                  <a:srgbClr val="D94111"/>
+                  <a:srgbClr val="EEEEEE"/>
                 </a:solidFill>
                 <a:latin typeface="Aharoni" panose="02010803020104030203" pitchFamily="2" charset="-79"/>
                 <a:cs typeface="Aharoni" panose="02010803020104030203" pitchFamily="2" charset="-79"/>
@@ -3684,7 +3692,7 @@
         </p:nvSpPr>
         <p:spPr>
           <a:xfrm>
-            <a:off x="804654" y="5737324"/>
+            <a:off x="790366" y="5737324"/>
             <a:ext cx="2783134" cy="769441"/>
           </a:xfrm>
           <a:prstGeom prst="rect">
@@ -3701,7 +3709,7 @@
             <a:r>
               <a:rPr lang="es-CL" sz="4400" dirty="0" err="1">
                 <a:solidFill>
-                  <a:srgbClr val="D94111"/>
+                  <a:srgbClr val="EEEEEE"/>
                 </a:solidFill>
                 <a:latin typeface="Aharoni" panose="02010803020104030203" pitchFamily="2" charset="-79"/>
                 <a:cs typeface="Aharoni" panose="02010803020104030203" pitchFamily="2" charset="-79"/>
@@ -3710,7 +3718,7 @@
             </a:r>
             <a:endParaRPr lang="es-CL" sz="4400" dirty="0">
               <a:solidFill>
-                <a:srgbClr val="D94111"/>
+                <a:srgbClr val="EEEEEE"/>
               </a:solidFill>
               <a:latin typeface="Aharoni" panose="02010803020104030203" pitchFamily="2" charset="-79"/>
               <a:cs typeface="Aharoni" panose="02010803020104030203" pitchFamily="2" charset="-79"/>
@@ -3734,6 +3742,14 @@
 <file path=ppt/slides/slide2.xml><?xml version="1.0" encoding="utf-8"?>
 <p:sld xmlns:a="http://schemas.openxmlformats.org/drawingml/2006/main" xmlns:r="http://schemas.openxmlformats.org/officeDocument/2006/relationships" xmlns:p="http://schemas.openxmlformats.org/presentationml/2006/main">
   <p:cSld>
+    <p:bg>
+      <p:bgPr>
+        <a:solidFill>
+          <a:srgbClr val="000000"/>
+        </a:solidFill>
+        <a:effectLst/>
+      </p:bgPr>
+    </p:bg>
     <p:spTree>
       <p:nvGrpSpPr>
         <p:cNvPr id="1" name=""/>
@@ -3779,7 +3795,7 @@
             <a:r>
               <a:rPr lang="es-CL" sz="4400" dirty="0">
                 <a:solidFill>
-                  <a:srgbClr val="D94111"/>
+                  <a:srgbClr val="EEEEEE"/>
                 </a:solidFill>
                 <a:latin typeface="Aharoni" panose="02010803020104030203" pitchFamily="2" charset="-79"/>
                 <a:cs typeface="Aharoni" panose="02010803020104030203" pitchFamily="2" charset="-79"/>
@@ -3789,7 +3805,7 @@
             <a:r>
               <a:rPr lang="es-CL" sz="4400" dirty="0" err="1">
                 <a:solidFill>
-                  <a:srgbClr val="D94111"/>
+                  <a:srgbClr val="EEEEEE"/>
                 </a:solidFill>
                 <a:latin typeface="Aharoni" panose="02010803020104030203" pitchFamily="2" charset="-79"/>
                 <a:cs typeface="Aharoni" panose="02010803020104030203" pitchFamily="2" charset="-79"/>
@@ -3798,7 +3814,7 @@
             </a:r>
             <a:endParaRPr lang="es-CL" sz="4400" dirty="0">
               <a:solidFill>
-                <a:srgbClr val="D94111"/>
+                <a:srgbClr val="EEEEEE"/>
               </a:solidFill>
               <a:latin typeface="Aharoni" panose="02010803020104030203" pitchFamily="2" charset="-79"/>
               <a:cs typeface="Aharoni" panose="02010803020104030203" pitchFamily="2" charset="-79"/>
@@ -3837,7 +3853,7 @@
             <a:r>
               <a:rPr lang="es-CL" sz="4400" dirty="0" err="1">
                 <a:solidFill>
-                  <a:srgbClr val="D94111"/>
+                  <a:srgbClr val="EEEEEE"/>
                 </a:solidFill>
                 <a:latin typeface="Aharoni" panose="02010803020104030203" pitchFamily="2" charset="-79"/>
                 <a:cs typeface="Aharoni" panose="02010803020104030203" pitchFamily="2" charset="-79"/>
@@ -3846,7 +3862,7 @@
             </a:r>
             <a:endParaRPr lang="es-CL" sz="4400" dirty="0">
               <a:solidFill>
-                <a:srgbClr val="D94111"/>
+                <a:srgbClr val="EEEEEE"/>
               </a:solidFill>
               <a:latin typeface="Aharoni" panose="02010803020104030203" pitchFamily="2" charset="-79"/>
               <a:cs typeface="Aharoni" panose="02010803020104030203" pitchFamily="2" charset="-79"/>
@@ -3885,7 +3901,7 @@
             <a:r>
               <a:rPr lang="es-CL" sz="4400" dirty="0" err="1">
                 <a:solidFill>
-                  <a:srgbClr val="D94111"/>
+                  <a:srgbClr val="EEEEEE"/>
                 </a:solidFill>
                 <a:latin typeface="Aharoni" panose="02010803020104030203" pitchFamily="2" charset="-79"/>
                 <a:cs typeface="Aharoni" panose="02010803020104030203" pitchFamily="2" charset="-79"/>
@@ -3894,7 +3910,7 @@
             </a:r>
             <a:endParaRPr lang="es-CL" sz="4400" dirty="0">
               <a:solidFill>
-                <a:srgbClr val="D94111"/>
+                <a:srgbClr val="EEEEEE"/>
               </a:solidFill>
               <a:latin typeface="Aharoni" panose="02010803020104030203" pitchFamily="2" charset="-79"/>
               <a:cs typeface="Aharoni" panose="02010803020104030203" pitchFamily="2" charset="-79"/>
@@ -3933,7 +3949,7 @@
             <a:r>
               <a:rPr lang="es-CL" sz="4400" dirty="0" err="1">
                 <a:solidFill>
-                  <a:srgbClr val="D94111"/>
+                  <a:srgbClr val="EEEEEE"/>
                 </a:solidFill>
                 <a:latin typeface="Aharoni" panose="02010803020104030203" pitchFamily="2" charset="-79"/>
                 <a:cs typeface="Aharoni" panose="02010803020104030203" pitchFamily="2" charset="-79"/>
@@ -3943,7 +3959,7 @@
             <a:r>
               <a:rPr lang="es-CL" sz="4400" dirty="0">
                 <a:solidFill>
-                  <a:srgbClr val="D94111"/>
+                  <a:srgbClr val="EEEEEE"/>
                 </a:solidFill>
                 <a:latin typeface="Aharoni" panose="02010803020104030203" pitchFamily="2" charset="-79"/>
                 <a:cs typeface="Aharoni" panose="02010803020104030203" pitchFamily="2" charset="-79"/>
@@ -3953,7 +3969,7 @@
             <a:r>
               <a:rPr lang="es-CL" sz="4400" dirty="0" err="1">
                 <a:solidFill>
-                  <a:srgbClr val="D94111"/>
+                  <a:srgbClr val="EEEEEE"/>
                 </a:solidFill>
                 <a:latin typeface="Aharoni" panose="02010803020104030203" pitchFamily="2" charset="-79"/>
                 <a:cs typeface="Aharoni" panose="02010803020104030203" pitchFamily="2" charset="-79"/>
@@ -3962,7 +3978,7 @@
             </a:r>
             <a:endParaRPr lang="es-CL" sz="4400" dirty="0">
               <a:solidFill>
-                <a:srgbClr val="D94111"/>
+                <a:srgbClr val="EEEEEE"/>
               </a:solidFill>
               <a:latin typeface="Aharoni" panose="02010803020104030203" pitchFamily="2" charset="-79"/>
               <a:cs typeface="Aharoni" panose="02010803020104030203" pitchFamily="2" charset="-79"/>
@@ -4001,7 +4017,7 @@
             <a:r>
               <a:rPr lang="es-CL" sz="4400" dirty="0">
                 <a:solidFill>
-                  <a:srgbClr val="D94111"/>
+                  <a:srgbClr val="EEEEEE"/>
                 </a:solidFill>
                 <a:latin typeface="Aharoni" panose="02010803020104030203" pitchFamily="2" charset="-79"/>
                 <a:cs typeface="Aharoni" panose="02010803020104030203" pitchFamily="2" charset="-79"/>
@@ -4042,7 +4058,7 @@
             <a:r>
               <a:rPr lang="es-CL" sz="4400" dirty="0">
                 <a:solidFill>
-                  <a:srgbClr val="D94111"/>
+                  <a:srgbClr val="EEEEEE"/>
                 </a:solidFill>
                 <a:latin typeface="Aharoni" panose="02010803020104030203" pitchFamily="2" charset="-79"/>
                 <a:cs typeface="Aharoni" panose="02010803020104030203" pitchFamily="2" charset="-79"/>
@@ -4083,7 +4099,7 @@
             <a:r>
               <a:rPr lang="es-CL" sz="4400" dirty="0">
                 <a:solidFill>
-                  <a:srgbClr val="D94111"/>
+                  <a:srgbClr val="EEEEEE"/>
                 </a:solidFill>
                 <a:latin typeface="Aharoni" panose="02010803020104030203" pitchFamily="2" charset="-79"/>
                 <a:cs typeface="Aharoni" panose="02010803020104030203" pitchFamily="2" charset="-79"/>
@@ -4124,7 +4140,7 @@
             <a:r>
               <a:rPr lang="es-CL" sz="4400" dirty="0">
                 <a:solidFill>
-                  <a:srgbClr val="D94111"/>
+                  <a:srgbClr val="EEEEEE"/>
                 </a:solidFill>
                 <a:latin typeface="Aharoni" panose="02010803020104030203" pitchFamily="2" charset="-79"/>
                 <a:cs typeface="Aharoni" panose="02010803020104030203" pitchFamily="2" charset="-79"/>

--- a/@src/Titles/Titles.pptx
+++ b/@src/Titles/Titles.pptx
@@ -262,7 +262,7 @@
           <a:p>
             <a:fld id="{B0584828-4C29-4AC5-85C5-B72A7FE3CA09}" type="datetimeFigureOut">
               <a:rPr lang="es-CL" smtClean="0"/>
-              <a:t>29-10-2022</a:t>
+              <a:t>14-11-2022</a:t>
             </a:fld>
             <a:endParaRPr lang="es-CL"/>
           </a:p>
@@ -462,7 +462,7 @@
           <a:p>
             <a:fld id="{B0584828-4C29-4AC5-85C5-B72A7FE3CA09}" type="datetimeFigureOut">
               <a:rPr lang="es-CL" smtClean="0"/>
-              <a:t>29-10-2022</a:t>
+              <a:t>14-11-2022</a:t>
             </a:fld>
             <a:endParaRPr lang="es-CL"/>
           </a:p>
@@ -672,7 +672,7 @@
           <a:p>
             <a:fld id="{B0584828-4C29-4AC5-85C5-B72A7FE3CA09}" type="datetimeFigureOut">
               <a:rPr lang="es-CL" smtClean="0"/>
-              <a:t>29-10-2022</a:t>
+              <a:t>14-11-2022</a:t>
             </a:fld>
             <a:endParaRPr lang="es-CL"/>
           </a:p>
@@ -872,7 +872,7 @@
           <a:p>
             <a:fld id="{B0584828-4C29-4AC5-85C5-B72A7FE3CA09}" type="datetimeFigureOut">
               <a:rPr lang="es-CL" smtClean="0"/>
-              <a:t>29-10-2022</a:t>
+              <a:t>14-11-2022</a:t>
             </a:fld>
             <a:endParaRPr lang="es-CL"/>
           </a:p>
@@ -1148,7 +1148,7 @@
           <a:p>
             <a:fld id="{B0584828-4C29-4AC5-85C5-B72A7FE3CA09}" type="datetimeFigureOut">
               <a:rPr lang="es-CL" smtClean="0"/>
-              <a:t>29-10-2022</a:t>
+              <a:t>14-11-2022</a:t>
             </a:fld>
             <a:endParaRPr lang="es-CL"/>
           </a:p>
@@ -1416,7 +1416,7 @@
           <a:p>
             <a:fld id="{B0584828-4C29-4AC5-85C5-B72A7FE3CA09}" type="datetimeFigureOut">
               <a:rPr lang="es-CL" smtClean="0"/>
-              <a:t>29-10-2022</a:t>
+              <a:t>14-11-2022</a:t>
             </a:fld>
             <a:endParaRPr lang="es-CL"/>
           </a:p>
@@ -1831,7 +1831,7 @@
           <a:p>
             <a:fld id="{B0584828-4C29-4AC5-85C5-B72A7FE3CA09}" type="datetimeFigureOut">
               <a:rPr lang="es-CL" smtClean="0"/>
-              <a:t>29-10-2022</a:t>
+              <a:t>14-11-2022</a:t>
             </a:fld>
             <a:endParaRPr lang="es-CL"/>
           </a:p>
@@ -1973,7 +1973,7 @@
           <a:p>
             <a:fld id="{B0584828-4C29-4AC5-85C5-B72A7FE3CA09}" type="datetimeFigureOut">
               <a:rPr lang="es-CL" smtClean="0"/>
-              <a:t>29-10-2022</a:t>
+              <a:t>14-11-2022</a:t>
             </a:fld>
             <a:endParaRPr lang="es-CL"/>
           </a:p>
@@ -2086,7 +2086,7 @@
           <a:p>
             <a:fld id="{B0584828-4C29-4AC5-85C5-B72A7FE3CA09}" type="datetimeFigureOut">
               <a:rPr lang="es-CL" smtClean="0"/>
-              <a:t>29-10-2022</a:t>
+              <a:t>14-11-2022</a:t>
             </a:fld>
             <a:endParaRPr lang="es-CL"/>
           </a:p>
@@ -2399,7 +2399,7 @@
           <a:p>
             <a:fld id="{B0584828-4C29-4AC5-85C5-B72A7FE3CA09}" type="datetimeFigureOut">
               <a:rPr lang="es-CL" smtClean="0"/>
-              <a:t>29-10-2022</a:t>
+              <a:t>14-11-2022</a:t>
             </a:fld>
             <a:endParaRPr lang="es-CL"/>
           </a:p>
@@ -2688,7 +2688,7 @@
           <a:p>
             <a:fld id="{B0584828-4C29-4AC5-85C5-B72A7FE3CA09}" type="datetimeFigureOut">
               <a:rPr lang="es-CL" smtClean="0"/>
-              <a:t>29-10-2022</a:t>
+              <a:t>14-11-2022</a:t>
             </a:fld>
             <a:endParaRPr lang="es-CL"/>
           </a:p>
@@ -2931,7 +2931,7 @@
           <a:p>
             <a:fld id="{B0584828-4C29-4AC5-85C5-B72A7FE3CA09}" type="datetimeFigureOut">
               <a:rPr lang="es-CL" smtClean="0"/>
-              <a:t>29-10-2022</a:t>
+              <a:t>14-11-2022</a:t>
             </a:fld>
             <a:endParaRPr lang="es-CL"/>
           </a:p>
@@ -3377,6 +3377,11 @@
             <a:avLst/>
           </a:prstGeom>
           <a:noFill/>
+          <a:ln w="38100">
+            <a:solidFill>
+              <a:srgbClr val="EEEEEE"/>
+            </a:solidFill>
+          </a:ln>
         </p:spPr>
         <p:txBody>
           <a:bodyPr wrap="none" rtlCol="0">
@@ -3425,6 +3430,11 @@
             <a:avLst/>
           </a:prstGeom>
           <a:noFill/>
+          <a:ln w="38100">
+            <a:solidFill>
+              <a:srgbClr val="EEEEEE"/>
+            </a:solidFill>
+          </a:ln>
         </p:spPr>
         <p:txBody>
           <a:bodyPr wrap="none" rtlCol="0">
@@ -3473,6 +3483,11 @@
             <a:avLst/>
           </a:prstGeom>
           <a:noFill/>
+          <a:ln w="38100">
+            <a:solidFill>
+              <a:srgbClr val="EEEEEE"/>
+            </a:solidFill>
+          </a:ln>
         </p:spPr>
         <p:txBody>
           <a:bodyPr wrap="none" rtlCol="0">
@@ -3521,6 +3536,11 @@
             <a:avLst/>
           </a:prstGeom>
           <a:noFill/>
+          <a:ln w="38100">
+            <a:solidFill>
+              <a:srgbClr val="EEEEEE"/>
+            </a:solidFill>
+          </a:ln>
         </p:spPr>
         <p:txBody>
           <a:bodyPr wrap="none" rtlCol="0">
@@ -3569,6 +3589,11 @@
             <a:avLst/>
           </a:prstGeom>
           <a:noFill/>
+          <a:ln w="38100">
+            <a:solidFill>
+              <a:srgbClr val="EEEEEE"/>
+            </a:solidFill>
+          </a:ln>
         </p:spPr>
         <p:txBody>
           <a:bodyPr wrap="none" rtlCol="0">
@@ -3610,6 +3635,11 @@
             <a:avLst/>
           </a:prstGeom>
           <a:noFill/>
+          <a:ln w="38100">
+            <a:solidFill>
+              <a:srgbClr val="EEEEEE"/>
+            </a:solidFill>
+          </a:ln>
         </p:spPr>
         <p:txBody>
           <a:bodyPr wrap="none" rtlCol="0">
@@ -3658,6 +3688,11 @@
             <a:avLst/>
           </a:prstGeom>
           <a:noFill/>
+          <a:ln w="38100">
+            <a:solidFill>
+              <a:srgbClr val="EEEEEE"/>
+            </a:solidFill>
+          </a:ln>
         </p:spPr>
         <p:txBody>
           <a:bodyPr wrap="none" rtlCol="0">
@@ -3692,13 +3727,18 @@
         </p:nvSpPr>
         <p:spPr>
           <a:xfrm>
-            <a:off x="790366" y="5737324"/>
+            <a:off x="799847" y="5737323"/>
             <a:ext cx="2783134" cy="769441"/>
           </a:xfrm>
           <a:prstGeom prst="rect">
             <a:avLst/>
           </a:prstGeom>
           <a:noFill/>
+          <a:ln w="38100">
+            <a:solidFill>
+              <a:srgbClr val="EEEEEE"/>
+            </a:solidFill>
+          </a:ln>
         </p:spPr>
         <p:txBody>
           <a:bodyPr wrap="none" rtlCol="0">
@@ -3785,40 +3825,40 @@
             <a:avLst/>
           </a:prstGeom>
           <a:noFill/>
+          <a:ln w="38100">
+            <a:solidFill>
+              <a:srgbClr val="EEEEEE"/>
+            </a:solidFill>
+          </a:ln>
         </p:spPr>
         <p:txBody>
           <a:bodyPr wrap="none" rtlCol="0">
             <a:spAutoFit/>
           </a:bodyPr>
-          <a:lstStyle/>
-          <a:p>
-            <a:r>
-              <a:rPr lang="es-CL" sz="4400" dirty="0">
+          <a:lstStyle>
+            <a:defPPr>
+              <a:defRPr lang="es-CL"/>
+            </a:defPPr>
+            <a:lvl1pPr>
+              <a:defRPr sz="4400">
                 <a:solidFill>
                   <a:srgbClr val="EEEEEE"/>
                 </a:solidFill>
                 <a:latin typeface="Aharoni" panose="02010803020104030203" pitchFamily="2" charset="-79"/>
                 <a:cs typeface="Aharoni" panose="02010803020104030203" pitchFamily="2" charset="-79"/>
-              </a:rPr>
+              </a:defRPr>
+            </a:lvl1pPr>
+          </a:lstStyle>
+          <a:p>
+            <a:r>
+              <a:rPr lang="es-CL" dirty="0"/>
               <a:t>Country </a:t>
             </a:r>
             <a:r>
-              <a:rPr lang="es-CL" sz="4400" dirty="0" err="1">
-                <a:solidFill>
-                  <a:srgbClr val="EEEEEE"/>
-                </a:solidFill>
-                <a:latin typeface="Aharoni" panose="02010803020104030203" pitchFamily="2" charset="-79"/>
-                <a:cs typeface="Aharoni" panose="02010803020104030203" pitchFamily="2" charset="-79"/>
-              </a:rPr>
+              <a:rPr lang="es-CL" dirty="0" err="1"/>
               <a:t>Names</a:t>
             </a:r>
-            <a:endParaRPr lang="es-CL" sz="4400" dirty="0">
-              <a:solidFill>
-                <a:srgbClr val="EEEEEE"/>
-              </a:solidFill>
-              <a:latin typeface="Aharoni" panose="02010803020104030203" pitchFamily="2" charset="-79"/>
-              <a:cs typeface="Aharoni" panose="02010803020104030203" pitchFamily="2" charset="-79"/>
-            </a:endParaRPr>
+            <a:endParaRPr lang="es-CL" dirty="0"/>
           </a:p>
         </p:txBody>
       </p:sp>
@@ -3843,30 +3883,36 @@
             <a:avLst/>
           </a:prstGeom>
           <a:noFill/>
+          <a:ln w="38100">
+            <a:solidFill>
+              <a:srgbClr val="EEEEEE"/>
+            </a:solidFill>
+          </a:ln>
         </p:spPr>
         <p:txBody>
           <a:bodyPr wrap="none" rtlCol="0">
             <a:spAutoFit/>
           </a:bodyPr>
-          <a:lstStyle/>
-          <a:p>
-            <a:r>
-              <a:rPr lang="es-CL" sz="4400" dirty="0" err="1">
+          <a:lstStyle>
+            <a:defPPr>
+              <a:defRPr lang="es-CL"/>
+            </a:defPPr>
+            <a:lvl1pPr>
+              <a:defRPr sz="4400">
                 <a:solidFill>
                   <a:srgbClr val="EEEEEE"/>
                 </a:solidFill>
                 <a:latin typeface="Aharoni" panose="02010803020104030203" pitchFamily="2" charset="-79"/>
                 <a:cs typeface="Aharoni" panose="02010803020104030203" pitchFamily="2" charset="-79"/>
-              </a:rPr>
+              </a:defRPr>
+            </a:lvl1pPr>
+          </a:lstStyle>
+          <a:p>
+            <a:r>
+              <a:rPr lang="es-CL" dirty="0" err="1"/>
               <a:t>Phonotactics</a:t>
             </a:r>
-            <a:endParaRPr lang="es-CL" sz="4400" dirty="0">
-              <a:solidFill>
-                <a:srgbClr val="EEEEEE"/>
-              </a:solidFill>
-              <a:latin typeface="Aharoni" panose="02010803020104030203" pitchFamily="2" charset="-79"/>
-              <a:cs typeface="Aharoni" panose="02010803020104030203" pitchFamily="2" charset="-79"/>
-            </a:endParaRPr>
+            <a:endParaRPr lang="es-CL" dirty="0"/>
           </a:p>
         </p:txBody>
       </p:sp>
@@ -3891,30 +3937,36 @@
             <a:avLst/>
           </a:prstGeom>
           <a:noFill/>
+          <a:ln w="38100">
+            <a:solidFill>
+              <a:srgbClr val="EEEEEE"/>
+            </a:solidFill>
+          </a:ln>
         </p:spPr>
         <p:txBody>
           <a:bodyPr wrap="none" rtlCol="0">
             <a:spAutoFit/>
           </a:bodyPr>
-          <a:lstStyle/>
-          <a:p>
-            <a:r>
-              <a:rPr lang="es-CL" sz="4400" dirty="0" err="1">
+          <a:lstStyle>
+            <a:defPPr>
+              <a:defRPr lang="es-CL"/>
+            </a:defPPr>
+            <a:lvl1pPr>
+              <a:defRPr sz="4400">
                 <a:solidFill>
                   <a:srgbClr val="EEEEEE"/>
                 </a:solidFill>
                 <a:latin typeface="Aharoni" panose="02010803020104030203" pitchFamily="2" charset="-79"/>
                 <a:cs typeface="Aharoni" panose="02010803020104030203" pitchFamily="2" charset="-79"/>
-              </a:rPr>
+              </a:defRPr>
+            </a:lvl1pPr>
+          </a:lstStyle>
+          <a:p>
+            <a:r>
+              <a:rPr lang="es-CL" dirty="0" err="1"/>
               <a:t>WtMCSLWCIIIwToTPIAL</a:t>
             </a:r>
-            <a:endParaRPr lang="es-CL" sz="4400" dirty="0">
-              <a:solidFill>
-                <a:srgbClr val="EEEEEE"/>
-              </a:solidFill>
-              <a:latin typeface="Aharoni" panose="02010803020104030203" pitchFamily="2" charset="-79"/>
-              <a:cs typeface="Aharoni" panose="02010803020104030203" pitchFamily="2" charset="-79"/>
-            </a:endParaRPr>
+            <a:endParaRPr lang="es-CL" dirty="0"/>
           </a:p>
         </p:txBody>
       </p:sp>
@@ -3939,50 +3991,44 @@
             <a:avLst/>
           </a:prstGeom>
           <a:noFill/>
+          <a:ln w="38100">
+            <a:solidFill>
+              <a:srgbClr val="EEEEEE"/>
+            </a:solidFill>
+          </a:ln>
         </p:spPr>
         <p:txBody>
           <a:bodyPr wrap="none" rtlCol="0">
             <a:spAutoFit/>
           </a:bodyPr>
-          <a:lstStyle/>
-          <a:p>
-            <a:r>
-              <a:rPr lang="es-CL" sz="4400" dirty="0" err="1">
+          <a:lstStyle>
+            <a:defPPr>
+              <a:defRPr lang="es-CL"/>
+            </a:defPPr>
+            <a:lvl1pPr>
+              <a:defRPr sz="4400">
                 <a:solidFill>
                   <a:srgbClr val="EEEEEE"/>
                 </a:solidFill>
                 <a:latin typeface="Aharoni" panose="02010803020104030203" pitchFamily="2" charset="-79"/>
                 <a:cs typeface="Aharoni" panose="02010803020104030203" pitchFamily="2" charset="-79"/>
-              </a:rPr>
+              </a:defRPr>
+            </a:lvl1pPr>
+          </a:lstStyle>
+          <a:p>
+            <a:r>
+              <a:rPr lang="es-CL" dirty="0" err="1"/>
               <a:t>Number</a:t>
             </a:r>
             <a:r>
-              <a:rPr lang="es-CL" sz="4400" dirty="0">
-                <a:solidFill>
-                  <a:srgbClr val="EEEEEE"/>
-                </a:solidFill>
-                <a:latin typeface="Aharoni" panose="02010803020104030203" pitchFamily="2" charset="-79"/>
-                <a:cs typeface="Aharoni" panose="02010803020104030203" pitchFamily="2" charset="-79"/>
-              </a:rPr>
+              <a:rPr lang="es-CL" dirty="0"/>
               <a:t> </a:t>
             </a:r>
             <a:r>
-              <a:rPr lang="es-CL" sz="4400" dirty="0" err="1">
-                <a:solidFill>
-                  <a:srgbClr val="EEEEEE"/>
-                </a:solidFill>
-                <a:latin typeface="Aharoni" panose="02010803020104030203" pitchFamily="2" charset="-79"/>
-                <a:cs typeface="Aharoni" panose="02010803020104030203" pitchFamily="2" charset="-79"/>
-              </a:rPr>
+              <a:rPr lang="es-CL" dirty="0" err="1"/>
               <a:t>System</a:t>
             </a:r>
-            <a:endParaRPr lang="es-CL" sz="4400" dirty="0">
-              <a:solidFill>
-                <a:srgbClr val="EEEEEE"/>
-              </a:solidFill>
-              <a:latin typeface="Aharoni" panose="02010803020104030203" pitchFamily="2" charset="-79"/>
-              <a:cs typeface="Aharoni" panose="02010803020104030203" pitchFamily="2" charset="-79"/>
-            </a:endParaRPr>
+            <a:endParaRPr lang="es-CL" dirty="0"/>
           </a:p>
         </p:txBody>
       </p:sp>
@@ -4007,21 +4053,33 @@
             <a:avLst/>
           </a:prstGeom>
           <a:noFill/>
+          <a:ln w="38100">
+            <a:solidFill>
+              <a:srgbClr val="EEEEEE"/>
+            </a:solidFill>
+          </a:ln>
         </p:spPr>
         <p:txBody>
           <a:bodyPr wrap="none" rtlCol="0">
             <a:spAutoFit/>
           </a:bodyPr>
-          <a:lstStyle/>
-          <a:p>
-            <a:r>
-              <a:rPr lang="es-CL" sz="4400" dirty="0">
+          <a:lstStyle>
+            <a:defPPr>
+              <a:defRPr lang="es-CL"/>
+            </a:defPPr>
+            <a:lvl1pPr>
+              <a:defRPr sz="4400">
                 <a:solidFill>
                   <a:srgbClr val="EEEEEE"/>
                 </a:solidFill>
                 <a:latin typeface="Aharoni" panose="02010803020104030203" pitchFamily="2" charset="-79"/>
                 <a:cs typeface="Aharoni" panose="02010803020104030203" pitchFamily="2" charset="-79"/>
-              </a:rPr>
+              </a:defRPr>
+            </a:lvl1pPr>
+          </a:lstStyle>
+          <a:p>
+            <a:r>
+              <a:rPr lang="es-CL" dirty="0"/>
               <a:t>a</a:t>
             </a:r>
           </a:p>
@@ -4042,29 +4100,42 @@
         <p:spPr>
           <a:xfrm>
             <a:off x="804655" y="3429001"/>
-            <a:ext cx="534121" cy="769441"/>
+            <a:ext cx="2840842" cy="769441"/>
           </a:xfrm>
           <a:prstGeom prst="rect">
             <a:avLst/>
           </a:prstGeom>
           <a:noFill/>
+          <a:ln w="38100">
+            <a:solidFill>
+              <a:srgbClr val="EEEEEE"/>
+            </a:solidFill>
+          </a:ln>
         </p:spPr>
         <p:txBody>
           <a:bodyPr wrap="none" rtlCol="0">
             <a:spAutoFit/>
           </a:bodyPr>
-          <a:lstStyle/>
-          <a:p>
-            <a:r>
-              <a:rPr lang="es-CL" sz="4400" dirty="0">
+          <a:lstStyle>
+            <a:defPPr>
+              <a:defRPr lang="es-CL"/>
+            </a:defPPr>
+            <a:lvl1pPr>
+              <a:defRPr sz="4400">
                 <a:solidFill>
                   <a:srgbClr val="EEEEEE"/>
                 </a:solidFill>
                 <a:latin typeface="Aharoni" panose="02010803020104030203" pitchFamily="2" charset="-79"/>
                 <a:cs typeface="Aharoni" panose="02010803020104030203" pitchFamily="2" charset="-79"/>
-              </a:rPr>
-              <a:t>a</a:t>
-            </a:r>
+              </a:defRPr>
+            </a:lvl1pPr>
+          </a:lstStyle>
+          <a:p>
+            <a:r>
+              <a:rPr lang="es-CL" dirty="0" err="1"/>
+              <a:t>Manifesto</a:t>
+            </a:r>
+            <a:endParaRPr lang="es-CL" dirty="0"/>
           </a:p>
         </p:txBody>
       </p:sp>
@@ -4083,29 +4154,42 @@
         <p:spPr>
           <a:xfrm>
             <a:off x="804655" y="4198442"/>
-            <a:ext cx="534121" cy="769441"/>
+            <a:ext cx="2712602" cy="769441"/>
           </a:xfrm>
           <a:prstGeom prst="rect">
             <a:avLst/>
           </a:prstGeom>
           <a:noFill/>
+          <a:ln w="38100">
+            <a:solidFill>
+              <a:srgbClr val="EEEEEE"/>
+            </a:solidFill>
+          </a:ln>
         </p:spPr>
         <p:txBody>
           <a:bodyPr wrap="none" rtlCol="0">
             <a:spAutoFit/>
           </a:bodyPr>
-          <a:lstStyle/>
-          <a:p>
-            <a:r>
-              <a:rPr lang="es-CL" sz="4400" dirty="0">
+          <a:lstStyle>
+            <a:defPPr>
+              <a:defRPr lang="es-CL"/>
+            </a:defPPr>
+            <a:lvl1pPr>
+              <a:defRPr sz="4400">
                 <a:solidFill>
                   <a:srgbClr val="EEEEEE"/>
                 </a:solidFill>
                 <a:latin typeface="Aharoni" panose="02010803020104030203" pitchFamily="2" charset="-79"/>
                 <a:cs typeface="Aharoni" panose="02010803020104030203" pitchFamily="2" charset="-79"/>
-              </a:rPr>
-              <a:t>a</a:t>
-            </a:r>
+              </a:defRPr>
+            </a:lvl1pPr>
+          </a:lstStyle>
+          <a:p>
+            <a:r>
+              <a:rPr lang="es-CL" dirty="0" err="1"/>
+              <a:t>Principles</a:t>
+            </a:r>
+            <a:endParaRPr lang="es-CL" dirty="0"/>
           </a:p>
         </p:txBody>
       </p:sp>
@@ -4130,21 +4214,33 @@
             <a:avLst/>
           </a:prstGeom>
           <a:noFill/>
+          <a:ln w="38100">
+            <a:solidFill>
+              <a:srgbClr val="EEEEEE"/>
+            </a:solidFill>
+          </a:ln>
         </p:spPr>
         <p:txBody>
           <a:bodyPr wrap="none" rtlCol="0">
             <a:spAutoFit/>
           </a:bodyPr>
-          <a:lstStyle/>
-          <a:p>
-            <a:r>
-              <a:rPr lang="es-CL" sz="4400" dirty="0">
+          <a:lstStyle>
+            <a:defPPr>
+              <a:defRPr lang="es-CL"/>
+            </a:defPPr>
+            <a:lvl1pPr>
+              <a:defRPr sz="4400">
                 <a:solidFill>
                   <a:srgbClr val="EEEEEE"/>
                 </a:solidFill>
                 <a:latin typeface="Aharoni" panose="02010803020104030203" pitchFamily="2" charset="-79"/>
                 <a:cs typeface="Aharoni" panose="02010803020104030203" pitchFamily="2" charset="-79"/>
-              </a:rPr>
+              </a:defRPr>
+            </a:lvl1pPr>
+          </a:lstStyle>
+          <a:p>
+            <a:r>
+              <a:rPr lang="es-CL" dirty="0"/>
               <a:t>a</a:t>
             </a:r>
           </a:p>

--- a/@src/Titles/Titles.pptx
+++ b/@src/Titles/Titles.pptx
@@ -3370,17 +3370,20 @@
         </p:nvSpPr>
         <p:spPr>
           <a:xfrm>
-            <a:off x="804655" y="1890118"/>
-            <a:ext cx="3281668" cy="769441"/>
+            <a:off x="5986337" y="2078535"/>
+            <a:ext cx="3345143" cy="851297"/>
           </a:xfrm>
-          <a:prstGeom prst="rect">
+          <a:prstGeom prst="roundRect">
             <a:avLst/>
           </a:prstGeom>
-          <a:noFill/>
+          <a:solidFill>
+            <a:schemeClr val="tx1">
+              <a:lumMod val="85000"/>
+              <a:lumOff val="15000"/>
+            </a:schemeClr>
+          </a:solidFill>
           <a:ln w="38100">
-            <a:solidFill>
-              <a:srgbClr val="EEEEEE"/>
-            </a:solidFill>
+            <a:noFill/>
           </a:ln>
         </p:spPr>
         <p:txBody>
@@ -3423,17 +3426,20 @@
         </p:nvSpPr>
         <p:spPr>
           <a:xfrm>
-            <a:off x="804656" y="351236"/>
-            <a:ext cx="2778325" cy="769441"/>
+            <a:off x="3057503" y="546051"/>
+            <a:ext cx="2858934" cy="851297"/>
           </a:xfrm>
-          <a:prstGeom prst="rect">
+          <a:prstGeom prst="roundRect">
             <a:avLst/>
           </a:prstGeom>
-          <a:noFill/>
+          <a:solidFill>
+            <a:schemeClr val="tx1">
+              <a:lumMod val="85000"/>
+              <a:lumOff val="15000"/>
+            </a:schemeClr>
+          </a:solidFill>
           <a:ln w="38100">
-            <a:solidFill>
-              <a:srgbClr val="EEEEEE"/>
-            </a:solidFill>
+            <a:noFill/>
           </a:ln>
         </p:spPr>
         <p:txBody>
@@ -3476,17 +3482,20 @@
         </p:nvSpPr>
         <p:spPr>
           <a:xfrm>
-            <a:off x="804656" y="1120677"/>
-            <a:ext cx="3078087" cy="769441"/>
+            <a:off x="7762668" y="351236"/>
+            <a:ext cx="3137624" cy="851297"/>
           </a:xfrm>
-          <a:prstGeom prst="rect">
+          <a:prstGeom prst="roundRect">
             <a:avLst/>
           </a:prstGeom>
-          <a:noFill/>
+          <a:solidFill>
+            <a:schemeClr val="tx1">
+              <a:lumMod val="85000"/>
+              <a:lumOff val="15000"/>
+            </a:schemeClr>
+          </a:solidFill>
           <a:ln w="38100">
-            <a:solidFill>
-              <a:srgbClr val="EEEEEE"/>
-            </a:solidFill>
+            <a:noFill/>
           </a:ln>
         </p:spPr>
         <p:txBody>
@@ -3529,17 +3538,20 @@
         </p:nvSpPr>
         <p:spPr>
           <a:xfrm>
-            <a:off x="804655" y="2659559"/>
-            <a:ext cx="2576346" cy="769441"/>
+            <a:off x="1731956" y="2141933"/>
+            <a:ext cx="2651095" cy="851297"/>
           </a:xfrm>
-          <a:prstGeom prst="rect">
+          <a:prstGeom prst="roundRect">
             <a:avLst/>
           </a:prstGeom>
-          <a:noFill/>
+          <a:solidFill>
+            <a:schemeClr val="tx1">
+              <a:lumMod val="85000"/>
+              <a:lumOff val="15000"/>
+            </a:schemeClr>
+          </a:solidFill>
           <a:ln w="38100">
-            <a:solidFill>
-              <a:srgbClr val="EEEEEE"/>
-            </a:solidFill>
+            <a:noFill/>
           </a:ln>
         </p:spPr>
         <p:txBody>
@@ -3582,17 +3594,20 @@
         </p:nvSpPr>
         <p:spPr>
           <a:xfrm>
-            <a:off x="804654" y="4967883"/>
-            <a:ext cx="1407758" cy="769441"/>
+            <a:off x="9105692" y="3910014"/>
+            <a:ext cx="1475831" cy="851297"/>
           </a:xfrm>
-          <a:prstGeom prst="rect">
+          <a:prstGeom prst="roundRect">
             <a:avLst/>
           </a:prstGeom>
-          <a:noFill/>
+          <a:solidFill>
+            <a:schemeClr val="tx1">
+              <a:lumMod val="85000"/>
+              <a:lumOff val="15000"/>
+            </a:schemeClr>
+          </a:solidFill>
           <a:ln w="38100">
-            <a:solidFill>
-              <a:srgbClr val="EEEEEE"/>
-            </a:solidFill>
+            <a:noFill/>
           </a:ln>
         </p:spPr>
         <p:txBody>
@@ -3628,17 +3643,20 @@
         </p:nvSpPr>
         <p:spPr>
           <a:xfrm>
-            <a:off x="804655" y="3429001"/>
-            <a:ext cx="2074607" cy="769441"/>
+            <a:off x="5348080" y="3484365"/>
+            <a:ext cx="2154862" cy="851297"/>
           </a:xfrm>
-          <a:prstGeom prst="rect">
+          <a:prstGeom prst="roundRect">
             <a:avLst/>
           </a:prstGeom>
-          <a:noFill/>
+          <a:solidFill>
+            <a:schemeClr val="tx1">
+              <a:lumMod val="85000"/>
+              <a:lumOff val="15000"/>
+            </a:schemeClr>
+          </a:solidFill>
           <a:ln w="38100">
-            <a:solidFill>
-              <a:srgbClr val="EEEEEE"/>
-            </a:solidFill>
+            <a:noFill/>
           </a:ln>
         </p:spPr>
         <p:txBody>
@@ -3681,17 +3699,20 @@
         </p:nvSpPr>
         <p:spPr>
           <a:xfrm>
-            <a:off x="804655" y="4198442"/>
-            <a:ext cx="3395481" cy="769441"/>
+            <a:off x="1169761" y="4290418"/>
+            <a:ext cx="3461158" cy="851297"/>
           </a:xfrm>
-          <a:prstGeom prst="rect">
+          <a:prstGeom prst="roundRect">
             <a:avLst/>
           </a:prstGeom>
-          <a:noFill/>
+          <a:solidFill>
+            <a:schemeClr val="tx1">
+              <a:lumMod val="85000"/>
+              <a:lumOff val="15000"/>
+            </a:schemeClr>
+          </a:solidFill>
           <a:ln w="38100">
-            <a:solidFill>
-              <a:srgbClr val="EEEEEE"/>
-            </a:solidFill>
+            <a:noFill/>
           </a:ln>
         </p:spPr>
         <p:txBody>
@@ -3727,17 +3748,20 @@
         </p:nvSpPr>
         <p:spPr>
           <a:xfrm>
-            <a:off x="799847" y="5737323"/>
-            <a:ext cx="2783134" cy="769441"/>
+            <a:off x="5348080" y="5389365"/>
+            <a:ext cx="2863883" cy="851297"/>
           </a:xfrm>
-          <a:prstGeom prst="rect">
+          <a:prstGeom prst="roundRect">
             <a:avLst/>
           </a:prstGeom>
-          <a:noFill/>
+          <a:solidFill>
+            <a:schemeClr val="tx1">
+              <a:lumMod val="85000"/>
+              <a:lumOff val="15000"/>
+            </a:schemeClr>
+          </a:solidFill>
           <a:ln w="38100">
-            <a:solidFill>
-              <a:srgbClr val="EEEEEE"/>
-            </a:solidFill>
+            <a:noFill/>
           </a:ln>
         </p:spPr>
         <p:txBody>
@@ -3818,17 +3842,20 @@
         </p:nvSpPr>
         <p:spPr>
           <a:xfrm>
-            <a:off x="804655" y="1890118"/>
-            <a:ext cx="4323620" cy="769441"/>
+            <a:off x="3262105" y="2519307"/>
+            <a:ext cx="4365434" cy="851297"/>
           </a:xfrm>
-          <a:prstGeom prst="rect">
+          <a:prstGeom prst="roundRect">
             <a:avLst/>
           </a:prstGeom>
-          <a:noFill/>
+          <a:solidFill>
+            <a:schemeClr val="tx1">
+              <a:lumMod val="85000"/>
+              <a:lumOff val="15000"/>
+            </a:schemeClr>
+          </a:solidFill>
           <a:ln w="38100">
-            <a:solidFill>
-              <a:srgbClr val="EEEEEE"/>
-            </a:solidFill>
+            <a:noFill/>
           </a:ln>
         </p:spPr>
         <p:txBody>
@@ -3876,17 +3903,20 @@
         </p:nvSpPr>
         <p:spPr>
           <a:xfrm>
-            <a:off x="804656" y="351236"/>
-            <a:ext cx="3499676" cy="769441"/>
+            <a:off x="804656" y="294086"/>
+            <a:ext cx="3567368" cy="851297"/>
           </a:xfrm>
-          <a:prstGeom prst="rect">
+          <a:prstGeom prst="roundRect">
             <a:avLst/>
           </a:prstGeom>
-          <a:noFill/>
+          <a:solidFill>
+            <a:schemeClr val="tx1">
+              <a:lumMod val="85000"/>
+              <a:lumOff val="15000"/>
+            </a:schemeClr>
+          </a:solidFill>
           <a:ln w="38100">
-            <a:solidFill>
-              <a:srgbClr val="EEEEEE"/>
-            </a:solidFill>
+            <a:noFill/>
           </a:ln>
         </p:spPr>
         <p:txBody>
@@ -3930,17 +3960,20 @@
         </p:nvSpPr>
         <p:spPr>
           <a:xfrm>
-            <a:off x="804656" y="1120677"/>
-            <a:ext cx="6389891" cy="769441"/>
+            <a:off x="4997455" y="5352603"/>
+            <a:ext cx="6451689" cy="851297"/>
           </a:xfrm>
-          <a:prstGeom prst="rect">
+          <a:prstGeom prst="roundRect">
             <a:avLst/>
           </a:prstGeom>
-          <a:noFill/>
+          <a:solidFill>
+            <a:schemeClr val="tx1">
+              <a:lumMod val="85000"/>
+              <a:lumOff val="15000"/>
+            </a:schemeClr>
+          </a:solidFill>
           <a:ln w="38100">
-            <a:solidFill>
-              <a:srgbClr val="EEEEEE"/>
-            </a:solidFill>
+            <a:noFill/>
           </a:ln>
         </p:spPr>
         <p:txBody>
@@ -3984,17 +4017,20 @@
         </p:nvSpPr>
         <p:spPr>
           <a:xfrm>
-            <a:off x="804655" y="2659559"/>
-            <a:ext cx="4448654" cy="769441"/>
+            <a:off x="6209853" y="678806"/>
+            <a:ext cx="4491677" cy="851297"/>
           </a:xfrm>
-          <a:prstGeom prst="rect">
+          <a:prstGeom prst="roundRect">
             <a:avLst/>
           </a:prstGeom>
-          <a:noFill/>
+          <a:solidFill>
+            <a:schemeClr val="tx1">
+              <a:lumMod val="85000"/>
+              <a:lumOff val="15000"/>
+            </a:schemeClr>
+          </a:solidFill>
           <a:ln w="38100">
-            <a:solidFill>
-              <a:srgbClr val="EEEEEE"/>
-            </a:solidFill>
+            <a:noFill/>
           </a:ln>
         </p:spPr>
         <p:txBody>
@@ -4046,17 +4082,20 @@
         </p:nvSpPr>
         <p:spPr>
           <a:xfrm>
-            <a:off x="804654" y="4967883"/>
-            <a:ext cx="534121" cy="769441"/>
+            <a:off x="1071714" y="1667434"/>
+            <a:ext cx="590942" cy="821531"/>
           </a:xfrm>
-          <a:prstGeom prst="rect">
+          <a:prstGeom prst="roundRect">
             <a:avLst/>
           </a:prstGeom>
-          <a:noFill/>
+          <a:solidFill>
+            <a:schemeClr val="tx1">
+              <a:lumMod val="85000"/>
+              <a:lumOff val="15000"/>
+            </a:schemeClr>
+          </a:solidFill>
           <a:ln w="38100">
-            <a:solidFill>
-              <a:srgbClr val="EEEEEE"/>
-            </a:solidFill>
+            <a:noFill/>
           </a:ln>
         </p:spPr>
         <p:txBody>
@@ -4099,17 +4138,20 @@
         </p:nvSpPr>
         <p:spPr>
           <a:xfrm>
-            <a:off x="804655" y="3429001"/>
-            <a:ext cx="2840842" cy="769441"/>
+            <a:off x="804654" y="4036405"/>
+            <a:ext cx="2895791" cy="851297"/>
           </a:xfrm>
-          <a:prstGeom prst="rect">
+          <a:prstGeom prst="roundRect">
             <a:avLst/>
           </a:prstGeom>
-          <a:noFill/>
+          <a:solidFill>
+            <a:schemeClr val="tx1">
+              <a:lumMod val="85000"/>
+              <a:lumOff val="15000"/>
+            </a:schemeClr>
+          </a:solidFill>
           <a:ln w="38100">
-            <a:solidFill>
-              <a:srgbClr val="EEEEEE"/>
-            </a:solidFill>
+            <a:noFill/>
           </a:ln>
         </p:spPr>
         <p:txBody>
@@ -4153,17 +4195,20 @@
         </p:nvSpPr>
         <p:spPr>
           <a:xfrm>
-            <a:off x="804655" y="4198442"/>
-            <a:ext cx="2712602" cy="769441"/>
+            <a:off x="8434180" y="3621360"/>
+            <a:ext cx="2791304" cy="851297"/>
           </a:xfrm>
-          <a:prstGeom prst="rect">
+          <a:prstGeom prst="roundRect">
             <a:avLst/>
           </a:prstGeom>
-          <a:noFill/>
+          <a:solidFill>
+            <a:schemeClr val="tx1">
+              <a:lumMod val="85000"/>
+              <a:lumOff val="15000"/>
+            </a:schemeClr>
+          </a:solidFill>
           <a:ln w="38100">
-            <a:solidFill>
-              <a:srgbClr val="EEEEEE"/>
-            </a:solidFill>
+            <a:noFill/>
           </a:ln>
         </p:spPr>
         <p:txBody>
@@ -4207,17 +4252,20 @@
         </p:nvSpPr>
         <p:spPr>
           <a:xfrm>
-            <a:off x="804654" y="5737324"/>
-            <a:ext cx="534121" cy="769441"/>
+            <a:off x="1690954" y="5352603"/>
+            <a:ext cx="590942" cy="821531"/>
           </a:xfrm>
-          <a:prstGeom prst="rect">
+          <a:prstGeom prst="roundRect">
             <a:avLst/>
           </a:prstGeom>
-          <a:noFill/>
+          <a:solidFill>
+            <a:schemeClr val="tx1">
+              <a:lumMod val="85000"/>
+              <a:lumOff val="15000"/>
+            </a:schemeClr>
+          </a:solidFill>
           <a:ln w="38100">
-            <a:solidFill>
-              <a:srgbClr val="EEEEEE"/>
-            </a:solidFill>
+            <a:noFill/>
           </a:ln>
         </p:spPr>
         <p:txBody>

--- a/@src/Titles/Titles.pptx
+++ b/@src/Titles/Titles.pptx
@@ -3337,7 +3337,7 @@
     <p:bg>
       <p:bgPr>
         <a:solidFill>
-          <a:srgbClr val="000000"/>
+          <a:srgbClr val="1F1F1F"/>
         </a:solidFill>
         <a:effectLst/>
       </p:bgPr>
@@ -3370,16 +3370,15 @@
         </p:nvSpPr>
         <p:spPr>
           <a:xfrm>
-            <a:off x="5986337" y="2078535"/>
+            <a:off x="5914899" y="2071095"/>
             <a:ext cx="3345143" cy="851297"/>
           </a:xfrm>
           <a:prstGeom prst="roundRect">
             <a:avLst/>
           </a:prstGeom>
           <a:solidFill>
-            <a:schemeClr val="tx1">
-              <a:lumMod val="85000"/>
-              <a:lumOff val="15000"/>
+            <a:schemeClr val="bg2">
+              <a:lumMod val="25000"/>
             </a:schemeClr>
           </a:solidFill>
           <a:ln w="38100">
@@ -3426,16 +3425,15 @@
         </p:nvSpPr>
         <p:spPr>
           <a:xfrm>
-            <a:off x="3057503" y="546051"/>
+            <a:off x="2986065" y="538611"/>
             <a:ext cx="2858934" cy="851297"/>
           </a:xfrm>
           <a:prstGeom prst="roundRect">
             <a:avLst/>
           </a:prstGeom>
           <a:solidFill>
-            <a:schemeClr val="tx1">
-              <a:lumMod val="85000"/>
-              <a:lumOff val="15000"/>
+            <a:schemeClr val="bg2">
+              <a:lumMod val="25000"/>
             </a:schemeClr>
           </a:solidFill>
           <a:ln w="38100">
@@ -3482,16 +3480,15 @@
         </p:nvSpPr>
         <p:spPr>
           <a:xfrm>
-            <a:off x="7762668" y="351236"/>
+            <a:off x="7719805" y="396480"/>
             <a:ext cx="3137624" cy="851297"/>
           </a:xfrm>
           <a:prstGeom prst="roundRect">
             <a:avLst/>
           </a:prstGeom>
           <a:solidFill>
-            <a:schemeClr val="tx1">
-              <a:lumMod val="85000"/>
-              <a:lumOff val="15000"/>
+            <a:schemeClr val="bg2">
+              <a:lumMod val="25000"/>
             </a:schemeClr>
           </a:solidFill>
           <a:ln w="38100">
@@ -3538,16 +3535,15 @@
         </p:nvSpPr>
         <p:spPr>
           <a:xfrm>
-            <a:off x="1731956" y="2141933"/>
+            <a:off x="1660518" y="2134493"/>
             <a:ext cx="2651095" cy="851297"/>
           </a:xfrm>
           <a:prstGeom prst="roundRect">
             <a:avLst/>
           </a:prstGeom>
           <a:solidFill>
-            <a:schemeClr val="tx1">
-              <a:lumMod val="85000"/>
-              <a:lumOff val="15000"/>
+            <a:schemeClr val="bg2">
+              <a:lumMod val="25000"/>
             </a:schemeClr>
           </a:solidFill>
           <a:ln w="38100">
@@ -3601,9 +3597,8 @@
             <a:avLst/>
           </a:prstGeom>
           <a:solidFill>
-            <a:schemeClr val="tx1">
-              <a:lumMod val="85000"/>
-              <a:lumOff val="15000"/>
+            <a:schemeClr val="bg2">
+              <a:lumMod val="25000"/>
             </a:schemeClr>
           </a:solidFill>
           <a:ln w="38100">
@@ -3643,16 +3638,15 @@
         </p:nvSpPr>
         <p:spPr>
           <a:xfrm>
-            <a:off x="5348080" y="3484365"/>
+            <a:off x="5305217" y="3529609"/>
             <a:ext cx="2154862" cy="851297"/>
           </a:xfrm>
           <a:prstGeom prst="roundRect">
             <a:avLst/>
           </a:prstGeom>
           <a:solidFill>
-            <a:schemeClr val="tx1">
-              <a:lumMod val="85000"/>
-              <a:lumOff val="15000"/>
+            <a:schemeClr val="bg2">
+              <a:lumMod val="25000"/>
             </a:schemeClr>
           </a:solidFill>
           <a:ln w="38100">
@@ -3699,16 +3693,15 @@
         </p:nvSpPr>
         <p:spPr>
           <a:xfrm>
-            <a:off x="1169761" y="4290418"/>
+            <a:off x="1126898" y="4335662"/>
             <a:ext cx="3461158" cy="851297"/>
           </a:xfrm>
           <a:prstGeom prst="roundRect">
             <a:avLst/>
           </a:prstGeom>
           <a:solidFill>
-            <a:schemeClr val="tx1">
-              <a:lumMod val="85000"/>
-              <a:lumOff val="15000"/>
+            <a:schemeClr val="bg2">
+              <a:lumMod val="25000"/>
             </a:schemeClr>
           </a:solidFill>
           <a:ln w="38100">
@@ -3755,9 +3748,8 @@
             <a:avLst/>
           </a:prstGeom>
           <a:solidFill>
-            <a:schemeClr val="tx1">
-              <a:lumMod val="85000"/>
-              <a:lumOff val="15000"/>
+            <a:schemeClr val="bg2">
+              <a:lumMod val="25000"/>
             </a:schemeClr>
           </a:solidFill>
           <a:ln w="38100">
@@ -3809,7 +3801,7 @@
     <p:bg>
       <p:bgPr>
         <a:solidFill>
-          <a:srgbClr val="000000"/>
+          <a:srgbClr val="1F1F1F"/>
         </a:solidFill>
         <a:effectLst/>
       </p:bgPr>
@@ -3849,9 +3841,8 @@
             <a:avLst/>
           </a:prstGeom>
           <a:solidFill>
-            <a:schemeClr val="tx1">
-              <a:lumMod val="85000"/>
-              <a:lumOff val="15000"/>
+            <a:schemeClr val="bg2">
+              <a:lumMod val="25000"/>
             </a:schemeClr>
           </a:solidFill>
           <a:ln w="38100">
@@ -3910,9 +3901,8 @@
             <a:avLst/>
           </a:prstGeom>
           <a:solidFill>
-            <a:schemeClr val="tx1">
-              <a:lumMod val="85000"/>
-              <a:lumOff val="15000"/>
+            <a:schemeClr val="bg2">
+              <a:lumMod val="25000"/>
             </a:schemeClr>
           </a:solidFill>
           <a:ln w="38100">
@@ -3967,9 +3957,8 @@
             <a:avLst/>
           </a:prstGeom>
           <a:solidFill>
-            <a:schemeClr val="tx1">
-              <a:lumMod val="85000"/>
-              <a:lumOff val="15000"/>
+            <a:schemeClr val="bg2">
+              <a:lumMod val="25000"/>
             </a:schemeClr>
           </a:solidFill>
           <a:ln w="38100">
@@ -4024,9 +4013,8 @@
             <a:avLst/>
           </a:prstGeom>
           <a:solidFill>
-            <a:schemeClr val="tx1">
-              <a:lumMod val="85000"/>
-              <a:lumOff val="15000"/>
+            <a:schemeClr val="bg2">
+              <a:lumMod val="25000"/>
             </a:schemeClr>
           </a:solidFill>
           <a:ln w="38100">
@@ -4089,9 +4077,8 @@
             <a:avLst/>
           </a:prstGeom>
           <a:solidFill>
-            <a:schemeClr val="tx1">
-              <a:lumMod val="85000"/>
-              <a:lumOff val="15000"/>
+            <a:schemeClr val="bg2">
+              <a:lumMod val="25000"/>
             </a:schemeClr>
           </a:solidFill>
           <a:ln w="38100">
@@ -4145,9 +4132,8 @@
             <a:avLst/>
           </a:prstGeom>
           <a:solidFill>
-            <a:schemeClr val="tx1">
-              <a:lumMod val="85000"/>
-              <a:lumOff val="15000"/>
+            <a:schemeClr val="bg2">
+              <a:lumMod val="25000"/>
             </a:schemeClr>
           </a:solidFill>
           <a:ln w="38100">
@@ -4202,9 +4188,8 @@
             <a:avLst/>
           </a:prstGeom>
           <a:solidFill>
-            <a:schemeClr val="tx1">
-              <a:lumMod val="85000"/>
-              <a:lumOff val="15000"/>
+            <a:schemeClr val="bg2">
+              <a:lumMod val="25000"/>
             </a:schemeClr>
           </a:solidFill>
           <a:ln w="38100">
@@ -4259,9 +4244,8 @@
             <a:avLst/>
           </a:prstGeom>
           <a:solidFill>
-            <a:schemeClr val="tx1">
-              <a:lumMod val="85000"/>
-              <a:lumOff val="15000"/>
+            <a:schemeClr val="bg2">
+              <a:lumMod val="25000"/>
             </a:schemeClr>
           </a:solidFill>
           <a:ln w="38100">
